--- a/graphics.pptx
+++ b/graphics.pptx
@@ -6,6 +6,7 @@
   </p:sldMasterIdLst>
   <p:sldIdLst>
     <p:sldId id="256" r:id="rId2"/>
+    <p:sldId id="257" r:id="rId3"/>
   </p:sldIdLst>
   <p:sldSz cx="12192000" cy="6858000"/>
   <p:notesSz cx="6858000" cy="9144000"/>
@@ -259,7 +260,7 @@
           <a:p>
             <a:fld id="{7A152AC1-BF1E-435C-86CC-AC2CC089CEC7}" type="datetimeFigureOut">
               <a:rPr lang="en-US" smtClean="0"/>
-              <a:t>1/23/2024</a:t>
+              <a:t>2/28/2025</a:t>
             </a:fld>
             <a:endParaRPr lang="en-US"/>
           </a:p>
@@ -457,7 +458,7 @@
           <a:p>
             <a:fld id="{7A152AC1-BF1E-435C-86CC-AC2CC089CEC7}" type="datetimeFigureOut">
               <a:rPr lang="en-US" smtClean="0"/>
-              <a:t>1/23/2024</a:t>
+              <a:t>2/28/2025</a:t>
             </a:fld>
             <a:endParaRPr lang="en-US"/>
           </a:p>
@@ -665,7 +666,7 @@
           <a:p>
             <a:fld id="{7A152AC1-BF1E-435C-86CC-AC2CC089CEC7}" type="datetimeFigureOut">
               <a:rPr lang="en-US" smtClean="0"/>
-              <a:t>1/23/2024</a:t>
+              <a:t>2/28/2025</a:t>
             </a:fld>
             <a:endParaRPr lang="en-US"/>
           </a:p>
@@ -863,7 +864,7 @@
           <a:p>
             <a:fld id="{7A152AC1-BF1E-435C-86CC-AC2CC089CEC7}" type="datetimeFigureOut">
               <a:rPr lang="en-US" smtClean="0"/>
-              <a:t>1/23/2024</a:t>
+              <a:t>2/28/2025</a:t>
             </a:fld>
             <a:endParaRPr lang="en-US"/>
           </a:p>
@@ -1138,7 +1139,7 @@
           <a:p>
             <a:fld id="{7A152AC1-BF1E-435C-86CC-AC2CC089CEC7}" type="datetimeFigureOut">
               <a:rPr lang="en-US" smtClean="0"/>
-              <a:t>1/23/2024</a:t>
+              <a:t>2/28/2025</a:t>
             </a:fld>
             <a:endParaRPr lang="en-US"/>
           </a:p>
@@ -1403,7 +1404,7 @@
           <a:p>
             <a:fld id="{7A152AC1-BF1E-435C-86CC-AC2CC089CEC7}" type="datetimeFigureOut">
               <a:rPr lang="en-US" smtClean="0"/>
-              <a:t>1/23/2024</a:t>
+              <a:t>2/28/2025</a:t>
             </a:fld>
             <a:endParaRPr lang="en-US"/>
           </a:p>
@@ -1815,7 +1816,7 @@
           <a:p>
             <a:fld id="{7A152AC1-BF1E-435C-86CC-AC2CC089CEC7}" type="datetimeFigureOut">
               <a:rPr lang="en-US" smtClean="0"/>
-              <a:t>1/23/2024</a:t>
+              <a:t>2/28/2025</a:t>
             </a:fld>
             <a:endParaRPr lang="en-US"/>
           </a:p>
@@ -1956,7 +1957,7 @@
           <a:p>
             <a:fld id="{7A152AC1-BF1E-435C-86CC-AC2CC089CEC7}" type="datetimeFigureOut">
               <a:rPr lang="en-US" smtClean="0"/>
-              <a:t>1/23/2024</a:t>
+              <a:t>2/28/2025</a:t>
             </a:fld>
             <a:endParaRPr lang="en-US"/>
           </a:p>
@@ -2069,7 +2070,7 @@
           <a:p>
             <a:fld id="{7A152AC1-BF1E-435C-86CC-AC2CC089CEC7}" type="datetimeFigureOut">
               <a:rPr lang="en-US" smtClean="0"/>
-              <a:t>1/23/2024</a:t>
+              <a:t>2/28/2025</a:t>
             </a:fld>
             <a:endParaRPr lang="en-US"/>
           </a:p>
@@ -2380,7 +2381,7 @@
           <a:p>
             <a:fld id="{7A152AC1-BF1E-435C-86CC-AC2CC089CEC7}" type="datetimeFigureOut">
               <a:rPr lang="en-US" smtClean="0"/>
-              <a:t>1/23/2024</a:t>
+              <a:t>2/28/2025</a:t>
             </a:fld>
             <a:endParaRPr lang="en-US"/>
           </a:p>
@@ -2668,7 +2669,7 @@
           <a:p>
             <a:fld id="{7A152AC1-BF1E-435C-86CC-AC2CC089CEC7}" type="datetimeFigureOut">
               <a:rPr lang="en-US" smtClean="0"/>
-              <a:t>1/23/2024</a:t>
+              <a:t>2/28/2025</a:t>
             </a:fld>
             <a:endParaRPr lang="en-US"/>
           </a:p>
@@ -2909,7 +2910,7 @@
           <a:p>
             <a:fld id="{7A152AC1-BF1E-435C-86CC-AC2CC089CEC7}" type="datetimeFigureOut">
               <a:rPr lang="en-US" smtClean="0"/>
-              <a:t>1/23/2024</a:t>
+              <a:t>2/28/2025</a:t>
             </a:fld>
             <a:endParaRPr lang="en-US"/>
           </a:p>
@@ -3326,10 +3327,404 @@
           <a:chExt cx="0" cy="0"/>
         </a:xfrm>
       </p:grpSpPr>
+      <p:pic>
+        <p:nvPicPr>
+          <p:cNvPr id="4" name="Picture 3">
+            <a:extLst>
+              <a:ext uri="{FF2B5EF4-FFF2-40B4-BE49-F238E27FC236}">
+                <a16:creationId xmlns:a16="http://schemas.microsoft.com/office/drawing/2014/main" id="{F40232F5-B7A9-DFDF-8CAA-B786BD9BE2F0}"/>
+              </a:ext>
+            </a:extLst>
+          </p:cNvPr>
+          <p:cNvPicPr>
+            <a:picLocks noChangeAspect="1"/>
+          </p:cNvPicPr>
+          <p:nvPr/>
+        </p:nvPicPr>
+        <p:blipFill>
+          <a:blip r:embed="rId2">
+            <a:extLst>
+              <a:ext uri="{28A0092B-C50C-407E-A947-70E740481C1C}">
+                <a14:useLocalDpi xmlns:a14="http://schemas.microsoft.com/office/drawing/2010/main" val="0"/>
+              </a:ext>
+            </a:extLst>
+          </a:blip>
+          <a:srcRect l="8477" t="3810" r="2889" b="7555"/>
+          <a:stretch/>
+        </p:blipFill>
+        <p:spPr>
+          <a:xfrm>
+            <a:off x="3614056" y="261256"/>
+            <a:ext cx="6078583" cy="6078583"/>
+          </a:xfrm>
+          <a:prstGeom prst="rect">
+            <a:avLst/>
+          </a:prstGeom>
+        </p:spPr>
+      </p:pic>
     </p:spTree>
     <p:extLst>
       <p:ext uri="{BB962C8B-B14F-4D97-AF65-F5344CB8AC3E}">
         <p14:creationId xmlns:p14="http://schemas.microsoft.com/office/powerpoint/2010/main" val="2843637414"/>
+      </p:ext>
+    </p:extLst>
+  </p:cSld>
+  <p:clrMapOvr>
+    <a:masterClrMapping/>
+  </p:clrMapOvr>
+</p:sld>
+</file>
+
+<file path=ppt/slides/slide2.xml><?xml version="1.0" encoding="utf-8"?>
+<p:sld xmlns:a="http://schemas.openxmlformats.org/drawingml/2006/main" xmlns:r="http://schemas.openxmlformats.org/officeDocument/2006/relationships" xmlns:p="http://schemas.openxmlformats.org/presentationml/2006/main">
+  <p:cSld>
+    <p:spTree>
+      <p:nvGrpSpPr>
+        <p:cNvPr id="1" name="">
+          <a:extLst>
+            <a:ext uri="{FF2B5EF4-FFF2-40B4-BE49-F238E27FC236}">
+              <a16:creationId xmlns:a16="http://schemas.microsoft.com/office/drawing/2014/main" id="{CF8ED38D-ED5A-90F8-F762-FEE73271F0AE}"/>
+            </a:ext>
+          </a:extLst>
+        </p:cNvPr>
+        <p:cNvGrpSpPr/>
+        <p:nvPr/>
+      </p:nvGrpSpPr>
+      <p:grpSpPr>
+        <a:xfrm>
+          <a:off x="0" y="0"/>
+          <a:ext cx="0" cy="0"/>
+          <a:chOff x="0" y="0"/>
+          <a:chExt cx="0" cy="0"/>
+        </a:xfrm>
+      </p:grpSpPr>
+      <p:pic>
+        <p:nvPicPr>
+          <p:cNvPr id="9" name="Picture 8">
+            <a:extLst>
+              <a:ext uri="{FF2B5EF4-FFF2-40B4-BE49-F238E27FC236}">
+                <a16:creationId xmlns:a16="http://schemas.microsoft.com/office/drawing/2014/main" id="{E3F0525C-3032-20E6-8D09-D585E1E84B90}"/>
+              </a:ext>
+            </a:extLst>
+          </p:cNvPr>
+          <p:cNvPicPr>
+            <a:picLocks noChangeAspect="1"/>
+          </p:cNvPicPr>
+          <p:nvPr/>
+        </p:nvPicPr>
+        <p:blipFill>
+          <a:blip r:embed="rId2">
+            <a:extLst>
+              <a:ext uri="{28A0092B-C50C-407E-A947-70E740481C1C}">
+                <a14:useLocalDpi xmlns:a14="http://schemas.microsoft.com/office/drawing/2010/main" val="0"/>
+              </a:ext>
+            </a:extLst>
+          </a:blip>
+          <a:srcRect l="21302" t="14096" r="38698" b="45904"/>
+          <a:stretch/>
+        </p:blipFill>
+        <p:spPr>
+          <a:xfrm flipH="1">
+            <a:off x="2861671" y="957234"/>
+            <a:ext cx="2943636" cy="2943636"/>
+          </a:xfrm>
+          <a:custGeom>
+            <a:avLst/>
+            <a:gdLst>
+              <a:gd name="connsiteX0" fmla="*/ 1471818 w 2943636"/>
+              <a:gd name="connsiteY0" fmla="*/ 0 h 2943636"/>
+              <a:gd name="connsiteX1" fmla="*/ 0 w 2943636"/>
+              <a:gd name="connsiteY1" fmla="*/ 1471818 h 2943636"/>
+              <a:gd name="connsiteX2" fmla="*/ 1471818 w 2943636"/>
+              <a:gd name="connsiteY2" fmla="*/ 2943636 h 2943636"/>
+              <a:gd name="connsiteX3" fmla="*/ 2943636 w 2943636"/>
+              <a:gd name="connsiteY3" fmla="*/ 1471818 h 2943636"/>
+              <a:gd name="connsiteX4" fmla="*/ 1471818 w 2943636"/>
+              <a:gd name="connsiteY4" fmla="*/ 0 h 2943636"/>
+            </a:gdLst>
+            <a:ahLst/>
+            <a:cxnLst>
+              <a:cxn ang="0">
+                <a:pos x="connsiteX0" y="connsiteY0"/>
+              </a:cxn>
+              <a:cxn ang="0">
+                <a:pos x="connsiteX1" y="connsiteY1"/>
+              </a:cxn>
+              <a:cxn ang="0">
+                <a:pos x="connsiteX2" y="connsiteY2"/>
+              </a:cxn>
+              <a:cxn ang="0">
+                <a:pos x="connsiteX3" y="connsiteY3"/>
+              </a:cxn>
+              <a:cxn ang="0">
+                <a:pos x="connsiteX4" y="connsiteY4"/>
+              </a:cxn>
+            </a:cxnLst>
+            <a:rect l="l" t="t" r="r" b="b"/>
+            <a:pathLst>
+              <a:path w="2943636" h="2943636">
+                <a:moveTo>
+                  <a:pt x="1471818" y="0"/>
+                </a:moveTo>
+                <a:cubicBezTo>
+                  <a:pt x="658955" y="0"/>
+                  <a:pt x="0" y="658955"/>
+                  <a:pt x="0" y="1471818"/>
+                </a:cubicBezTo>
+                <a:cubicBezTo>
+                  <a:pt x="0" y="2284681"/>
+                  <a:pt x="658955" y="2943636"/>
+                  <a:pt x="1471818" y="2943636"/>
+                </a:cubicBezTo>
+                <a:cubicBezTo>
+                  <a:pt x="2284681" y="2943636"/>
+                  <a:pt x="2943636" y="2284681"/>
+                  <a:pt x="2943636" y="1471818"/>
+                </a:cubicBezTo>
+                <a:cubicBezTo>
+                  <a:pt x="2943636" y="658955"/>
+                  <a:pt x="2284681" y="0"/>
+                  <a:pt x="1471818" y="0"/>
+                </a:cubicBezTo>
+                <a:close/>
+              </a:path>
+            </a:pathLst>
+          </a:custGeom>
+        </p:spPr>
+      </p:pic>
+      <p:pic>
+        <p:nvPicPr>
+          <p:cNvPr id="8" name="Picture 7">
+            <a:extLst>
+              <a:ext uri="{FF2B5EF4-FFF2-40B4-BE49-F238E27FC236}">
+                <a16:creationId xmlns:a16="http://schemas.microsoft.com/office/drawing/2014/main" id="{C796F1B5-717F-1C2A-80E2-2D7A0A6D3EB4}"/>
+              </a:ext>
+            </a:extLst>
+          </p:cNvPr>
+          <p:cNvPicPr>
+            <a:picLocks noChangeAspect="1"/>
+          </p:cNvPicPr>
+          <p:nvPr/>
+        </p:nvPicPr>
+        <p:blipFill>
+          <a:blip r:embed="rId2">
+            <a:extLst>
+              <a:ext uri="{28A0092B-C50C-407E-A947-70E740481C1C}">
+                <a14:useLocalDpi xmlns:a14="http://schemas.microsoft.com/office/drawing/2010/main" val="0"/>
+              </a:ext>
+            </a:extLst>
+          </a:blip>
+          <a:srcRect l="8477" t="3810" r="2889" b="7555"/>
+          <a:stretch/>
+        </p:blipFill>
+        <p:spPr>
+          <a:xfrm flipH="1">
+            <a:off x="226422" y="200297"/>
+            <a:ext cx="6522720" cy="6522720"/>
+          </a:xfrm>
+          <a:custGeom>
+            <a:avLst/>
+            <a:gdLst>
+              <a:gd name="connsiteX0" fmla="*/ 6522720 w 6522720"/>
+              <a:gd name="connsiteY0" fmla="*/ 0 h 6522720"/>
+              <a:gd name="connsiteX1" fmla="*/ 0 w 6522720"/>
+              <a:gd name="connsiteY1" fmla="*/ 0 h 6522720"/>
+              <a:gd name="connsiteX2" fmla="*/ 0 w 6522720"/>
+              <a:gd name="connsiteY2" fmla="*/ 6522720 h 6522720"/>
+              <a:gd name="connsiteX3" fmla="*/ 6522720 w 6522720"/>
+              <a:gd name="connsiteY3" fmla="*/ 6522720 h 6522720"/>
+              <a:gd name="connsiteX4" fmla="*/ 6522720 w 6522720"/>
+              <a:gd name="connsiteY4" fmla="*/ 0 h 6522720"/>
+              <a:gd name="connsiteX5" fmla="*/ 2415653 w 6522720"/>
+              <a:gd name="connsiteY5" fmla="*/ 756937 h 6522720"/>
+              <a:gd name="connsiteX6" fmla="*/ 3887471 w 6522720"/>
+              <a:gd name="connsiteY6" fmla="*/ 2228755 h 6522720"/>
+              <a:gd name="connsiteX7" fmla="*/ 2415653 w 6522720"/>
+              <a:gd name="connsiteY7" fmla="*/ 3700573 h 6522720"/>
+              <a:gd name="connsiteX8" fmla="*/ 943835 w 6522720"/>
+              <a:gd name="connsiteY8" fmla="*/ 2228755 h 6522720"/>
+              <a:gd name="connsiteX9" fmla="*/ 2415653 w 6522720"/>
+              <a:gd name="connsiteY9" fmla="*/ 756937 h 6522720"/>
+            </a:gdLst>
+            <a:ahLst/>
+            <a:cxnLst>
+              <a:cxn ang="0">
+                <a:pos x="connsiteX0" y="connsiteY0"/>
+              </a:cxn>
+              <a:cxn ang="0">
+                <a:pos x="connsiteX1" y="connsiteY1"/>
+              </a:cxn>
+              <a:cxn ang="0">
+                <a:pos x="connsiteX2" y="connsiteY2"/>
+              </a:cxn>
+              <a:cxn ang="0">
+                <a:pos x="connsiteX3" y="connsiteY3"/>
+              </a:cxn>
+              <a:cxn ang="0">
+                <a:pos x="connsiteX4" y="connsiteY4"/>
+              </a:cxn>
+              <a:cxn ang="0">
+                <a:pos x="connsiteX5" y="connsiteY5"/>
+              </a:cxn>
+              <a:cxn ang="0">
+                <a:pos x="connsiteX6" y="connsiteY6"/>
+              </a:cxn>
+              <a:cxn ang="0">
+                <a:pos x="connsiteX7" y="connsiteY7"/>
+              </a:cxn>
+              <a:cxn ang="0">
+                <a:pos x="connsiteX8" y="connsiteY8"/>
+              </a:cxn>
+              <a:cxn ang="0">
+                <a:pos x="connsiteX9" y="connsiteY9"/>
+              </a:cxn>
+            </a:cxnLst>
+            <a:rect l="l" t="t" r="r" b="b"/>
+            <a:pathLst>
+              <a:path w="6522720" h="6522720">
+                <a:moveTo>
+                  <a:pt x="6522720" y="0"/>
+                </a:moveTo>
+                <a:lnTo>
+                  <a:pt x="0" y="0"/>
+                </a:lnTo>
+                <a:lnTo>
+                  <a:pt x="0" y="6522720"/>
+                </a:lnTo>
+                <a:lnTo>
+                  <a:pt x="6522720" y="6522720"/>
+                </a:lnTo>
+                <a:lnTo>
+                  <a:pt x="6522720" y="0"/>
+                </a:lnTo>
+                <a:close/>
+                <a:moveTo>
+                  <a:pt x="2415653" y="756937"/>
+                </a:moveTo>
+                <a:cubicBezTo>
+                  <a:pt x="3228516" y="756937"/>
+                  <a:pt x="3887471" y="1415892"/>
+                  <a:pt x="3887471" y="2228755"/>
+                </a:cubicBezTo>
+                <a:cubicBezTo>
+                  <a:pt x="3887471" y="3041618"/>
+                  <a:pt x="3228516" y="3700573"/>
+                  <a:pt x="2415653" y="3700573"/>
+                </a:cubicBezTo>
+                <a:cubicBezTo>
+                  <a:pt x="1602790" y="3700573"/>
+                  <a:pt x="943835" y="3041618"/>
+                  <a:pt x="943835" y="2228755"/>
+                </a:cubicBezTo>
+                <a:cubicBezTo>
+                  <a:pt x="943835" y="1415892"/>
+                  <a:pt x="1602790" y="756937"/>
+                  <a:pt x="2415653" y="756937"/>
+                </a:cubicBezTo>
+                <a:close/>
+              </a:path>
+            </a:pathLst>
+          </a:custGeom>
+        </p:spPr>
+      </p:pic>
+      <p:pic>
+        <p:nvPicPr>
+          <p:cNvPr id="10" name="Picture 9">
+            <a:extLst>
+              <a:ext uri="{FF2B5EF4-FFF2-40B4-BE49-F238E27FC236}">
+                <a16:creationId xmlns:a16="http://schemas.microsoft.com/office/drawing/2014/main" id="{80D771C0-0204-B36E-C0E1-E7E1235B9134}"/>
+              </a:ext>
+            </a:extLst>
+          </p:cNvPr>
+          <p:cNvPicPr>
+            <a:picLocks noChangeAspect="1"/>
+          </p:cNvPicPr>
+          <p:nvPr/>
+        </p:nvPicPr>
+        <p:blipFill>
+          <a:blip r:embed="rId2">
+            <a:extLst>
+              <a:ext uri="{28A0092B-C50C-407E-A947-70E740481C1C}">
+                <a14:useLocalDpi xmlns:a14="http://schemas.microsoft.com/office/drawing/2010/main" val="0"/>
+              </a:ext>
+            </a:extLst>
+          </a:blip>
+          <a:srcRect l="21302" t="14096" r="38698" b="45904"/>
+          <a:stretch/>
+        </p:blipFill>
+        <p:spPr>
+          <a:xfrm flipH="1">
+            <a:off x="6602003" y="883211"/>
+            <a:ext cx="4368058" cy="4368058"/>
+          </a:xfrm>
+          <a:custGeom>
+            <a:avLst/>
+            <a:gdLst>
+              <a:gd name="connsiteX0" fmla="*/ 1471818 w 2943636"/>
+              <a:gd name="connsiteY0" fmla="*/ 0 h 2943636"/>
+              <a:gd name="connsiteX1" fmla="*/ 0 w 2943636"/>
+              <a:gd name="connsiteY1" fmla="*/ 1471818 h 2943636"/>
+              <a:gd name="connsiteX2" fmla="*/ 1471818 w 2943636"/>
+              <a:gd name="connsiteY2" fmla="*/ 2943636 h 2943636"/>
+              <a:gd name="connsiteX3" fmla="*/ 2943636 w 2943636"/>
+              <a:gd name="connsiteY3" fmla="*/ 1471818 h 2943636"/>
+              <a:gd name="connsiteX4" fmla="*/ 1471818 w 2943636"/>
+              <a:gd name="connsiteY4" fmla="*/ 0 h 2943636"/>
+            </a:gdLst>
+            <a:ahLst/>
+            <a:cxnLst>
+              <a:cxn ang="0">
+                <a:pos x="connsiteX0" y="connsiteY0"/>
+              </a:cxn>
+              <a:cxn ang="0">
+                <a:pos x="connsiteX1" y="connsiteY1"/>
+              </a:cxn>
+              <a:cxn ang="0">
+                <a:pos x="connsiteX2" y="connsiteY2"/>
+              </a:cxn>
+              <a:cxn ang="0">
+                <a:pos x="connsiteX3" y="connsiteY3"/>
+              </a:cxn>
+              <a:cxn ang="0">
+                <a:pos x="connsiteX4" y="connsiteY4"/>
+              </a:cxn>
+            </a:cxnLst>
+            <a:rect l="l" t="t" r="r" b="b"/>
+            <a:pathLst>
+              <a:path w="2943636" h="2943636">
+                <a:moveTo>
+                  <a:pt x="1471818" y="0"/>
+                </a:moveTo>
+                <a:cubicBezTo>
+                  <a:pt x="658955" y="0"/>
+                  <a:pt x="0" y="658955"/>
+                  <a:pt x="0" y="1471818"/>
+                </a:cubicBezTo>
+                <a:cubicBezTo>
+                  <a:pt x="0" y="2284681"/>
+                  <a:pt x="658955" y="2943636"/>
+                  <a:pt x="1471818" y="2943636"/>
+                </a:cubicBezTo>
+                <a:cubicBezTo>
+                  <a:pt x="2284681" y="2943636"/>
+                  <a:pt x="2943636" y="2284681"/>
+                  <a:pt x="2943636" y="1471818"/>
+                </a:cubicBezTo>
+                <a:cubicBezTo>
+                  <a:pt x="2943636" y="658955"/>
+                  <a:pt x="2284681" y="0"/>
+                  <a:pt x="1471818" y="0"/>
+                </a:cubicBezTo>
+                <a:close/>
+              </a:path>
+            </a:pathLst>
+          </a:custGeom>
+        </p:spPr>
+      </p:pic>
+    </p:spTree>
+    <p:extLst>
+      <p:ext uri="{BB962C8B-B14F-4D97-AF65-F5344CB8AC3E}">
+        <p14:creationId xmlns:p14="http://schemas.microsoft.com/office/powerpoint/2010/main" val="3758364194"/>
       </p:ext>
     </p:extLst>
   </p:cSld>
